--- a/Yu Feng CRC-fungi-Re1 (JY)/Figure 1-Re (JY)-Re (YF).pptx
+++ b/Yu Feng CRC-fungi-Re1 (JY)/Figure 1-Re (JY)-Re (YF).pptx
@@ -220,7 +220,7 @@
           <a:p>
             <a:fld id="{E12B1348-179B-48C0-8B72-D42ACFB42515}" type="datetimeFigureOut">
               <a:rPr lang="zh-CN" altLang="en-US" smtClean="0"/>
-              <a:t>2021/10/22</a:t>
+              <a:t>2021/10/25</a:t>
             </a:fld>
             <a:endParaRPr lang="zh-CN" altLang="en-US"/>
           </a:p>
@@ -728,7 +728,7 @@
           <a:p>
             <a:fld id="{9EFCB261-BEEE-4617-A9AD-DBFE6CD48D9E}" type="datetimeFigureOut">
               <a:rPr lang="zh-CN" altLang="en-US" smtClean="0"/>
-              <a:t>2021/10/22</a:t>
+              <a:t>2021/10/25</a:t>
             </a:fld>
             <a:endParaRPr lang="zh-CN" altLang="en-US"/>
           </a:p>
@@ -898,7 +898,7 @@
           <a:p>
             <a:fld id="{9EFCB261-BEEE-4617-A9AD-DBFE6CD48D9E}" type="datetimeFigureOut">
               <a:rPr lang="zh-CN" altLang="en-US" smtClean="0"/>
-              <a:t>2021/10/22</a:t>
+              <a:t>2021/10/25</a:t>
             </a:fld>
             <a:endParaRPr lang="zh-CN" altLang="en-US"/>
           </a:p>
@@ -1078,7 +1078,7 @@
           <a:p>
             <a:fld id="{9EFCB261-BEEE-4617-A9AD-DBFE6CD48D9E}" type="datetimeFigureOut">
               <a:rPr lang="zh-CN" altLang="en-US" smtClean="0"/>
-              <a:t>2021/10/22</a:t>
+              <a:t>2021/10/25</a:t>
             </a:fld>
             <a:endParaRPr lang="zh-CN" altLang="en-US"/>
           </a:p>
@@ -1248,7 +1248,7 @@
           <a:p>
             <a:fld id="{9EFCB261-BEEE-4617-A9AD-DBFE6CD48D9E}" type="datetimeFigureOut">
               <a:rPr lang="zh-CN" altLang="en-US" smtClean="0"/>
-              <a:t>2021/10/22</a:t>
+              <a:t>2021/10/25</a:t>
             </a:fld>
             <a:endParaRPr lang="zh-CN" altLang="en-US"/>
           </a:p>
@@ -1492,7 +1492,7 @@
           <a:p>
             <a:fld id="{9EFCB261-BEEE-4617-A9AD-DBFE6CD48D9E}" type="datetimeFigureOut">
               <a:rPr lang="zh-CN" altLang="en-US" smtClean="0"/>
-              <a:t>2021/10/22</a:t>
+              <a:t>2021/10/25</a:t>
             </a:fld>
             <a:endParaRPr lang="zh-CN" altLang="en-US"/>
           </a:p>
@@ -1724,7 +1724,7 @@
           <a:p>
             <a:fld id="{9EFCB261-BEEE-4617-A9AD-DBFE6CD48D9E}" type="datetimeFigureOut">
               <a:rPr lang="zh-CN" altLang="en-US" smtClean="0"/>
-              <a:t>2021/10/22</a:t>
+              <a:t>2021/10/25</a:t>
             </a:fld>
             <a:endParaRPr lang="zh-CN" altLang="en-US"/>
           </a:p>
@@ -2091,7 +2091,7 @@
           <a:p>
             <a:fld id="{9EFCB261-BEEE-4617-A9AD-DBFE6CD48D9E}" type="datetimeFigureOut">
               <a:rPr lang="zh-CN" altLang="en-US" smtClean="0"/>
-              <a:t>2021/10/22</a:t>
+              <a:t>2021/10/25</a:t>
             </a:fld>
             <a:endParaRPr lang="zh-CN" altLang="en-US"/>
           </a:p>
@@ -2209,7 +2209,7 @@
           <a:p>
             <a:fld id="{9EFCB261-BEEE-4617-A9AD-DBFE6CD48D9E}" type="datetimeFigureOut">
               <a:rPr lang="zh-CN" altLang="en-US" smtClean="0"/>
-              <a:t>2021/10/22</a:t>
+              <a:t>2021/10/25</a:t>
             </a:fld>
             <a:endParaRPr lang="zh-CN" altLang="en-US"/>
           </a:p>
@@ -2304,7 +2304,7 @@
           <a:p>
             <a:fld id="{9EFCB261-BEEE-4617-A9AD-DBFE6CD48D9E}" type="datetimeFigureOut">
               <a:rPr lang="zh-CN" altLang="en-US" smtClean="0"/>
-              <a:t>2021/10/22</a:t>
+              <a:t>2021/10/25</a:t>
             </a:fld>
             <a:endParaRPr lang="zh-CN" altLang="en-US"/>
           </a:p>
@@ -2581,7 +2581,7 @@
           <a:p>
             <a:fld id="{9EFCB261-BEEE-4617-A9AD-DBFE6CD48D9E}" type="datetimeFigureOut">
               <a:rPr lang="zh-CN" altLang="en-US" smtClean="0"/>
-              <a:t>2021/10/22</a:t>
+              <a:t>2021/10/25</a:t>
             </a:fld>
             <a:endParaRPr lang="zh-CN" altLang="en-US"/>
           </a:p>
@@ -2838,7 +2838,7 @@
           <a:p>
             <a:fld id="{9EFCB261-BEEE-4617-A9AD-DBFE6CD48D9E}" type="datetimeFigureOut">
               <a:rPr lang="zh-CN" altLang="en-US" smtClean="0"/>
-              <a:t>2021/10/22</a:t>
+              <a:t>2021/10/25</a:t>
             </a:fld>
             <a:endParaRPr lang="zh-CN" altLang="en-US"/>
           </a:p>
@@ -3051,7 +3051,7 @@
           <a:p>
             <a:fld id="{9EFCB261-BEEE-4617-A9AD-DBFE6CD48D9E}" type="datetimeFigureOut">
               <a:rPr lang="zh-CN" altLang="en-US" smtClean="0"/>
-              <a:t>2021/10/22</a:t>
+              <a:t>2021/10/25</a:t>
             </a:fld>
             <a:endParaRPr lang="zh-CN" altLang="en-US"/>
           </a:p>
@@ -6086,6 +6086,16 @@
               <a:gd name="connsiteY3" fmla="*/ 9525 h 638175"/>
               <a:gd name="connsiteX4" fmla="*/ 0 w 9124950"/>
               <a:gd name="connsiteY4" fmla="*/ 0 h 638175"/>
+              <a:gd name="connsiteX0" fmla="*/ 0 w 9124950"/>
+              <a:gd name="connsiteY0" fmla="*/ 0 h 638175"/>
+              <a:gd name="connsiteX1" fmla="*/ 0 w 9124950"/>
+              <a:gd name="connsiteY1" fmla="*/ 638175 h 638175"/>
+              <a:gd name="connsiteX2" fmla="*/ 9124950 w 9124950"/>
+              <a:gd name="connsiteY2" fmla="*/ 619125 h 638175"/>
+              <a:gd name="connsiteX3" fmla="*/ 7553308 w 9124950"/>
+              <a:gd name="connsiteY3" fmla="*/ 21252 h 638175"/>
+              <a:gd name="connsiteX4" fmla="*/ 0 w 9124950"/>
+              <a:gd name="connsiteY4" fmla="*/ 0 h 638175"/>
             </a:gdLst>
             <a:ahLst/>
             <a:cxnLst>
@@ -6118,7 +6128,7 @@
                   <a:pt x="9124950" y="619125"/>
                 </a:lnTo>
                 <a:lnTo>
-                  <a:pt x="7381875" y="9525"/>
+                  <a:pt x="7553308" y="21252"/>
                 </a:lnTo>
                 <a:lnTo>
                   <a:pt x="0" y="0"/>

--- a/Yu Feng CRC-fungi-Re1 (JY)/Figure 1-Re (JY)-Re (YF).pptx
+++ b/Yu Feng CRC-fungi-Re1 (JY)/Figure 1-Re (JY)-Re (YF).pptx
@@ -220,7 +220,7 @@
           <a:p>
             <a:fld id="{E12B1348-179B-48C0-8B72-D42ACFB42515}" type="datetimeFigureOut">
               <a:rPr lang="zh-CN" altLang="en-US" smtClean="0"/>
-              <a:t>2021/10/25</a:t>
+              <a:t>2021/11/25</a:t>
             </a:fld>
             <a:endParaRPr lang="zh-CN" altLang="en-US"/>
           </a:p>
@@ -532,31 +532,6 @@
           <a:bodyPr/>
           <a:lstStyle/>
           <a:p>
-            <a:r>
-              <a:rPr lang="en-US" altLang="zh-CN" dirty="0"/>
-              <a:t>F:\GitHub\multi-CRC-fungi\07.FeatureSelection\03.Plot</a:t>
-            </a:r>
-          </a:p>
-          <a:p>
-            <a:endParaRPr lang="en-US" altLang="zh-CN" dirty="0"/>
-          </a:p>
-          <a:p>
-            <a:r>
-              <a:rPr lang="en-US" altLang="zh-CN" dirty="0"/>
-              <a:t>With multiple criteria, we obtained 74 significant different features, 33 mainly different features and 2 core features.</a:t>
-            </a:r>
-          </a:p>
-          <a:p>
-            <a:r>
-              <a:rPr lang="en-US" altLang="zh-CN" dirty="0"/>
-              <a:t>We also explored the performance of these 74 features in different cohorts and do some comparison between Control group and CRC group.</a:t>
-            </a:r>
-          </a:p>
-          <a:p>
-            <a:r>
-              <a:rPr lang="en-US" altLang="zh-CN" dirty="0"/>
-              <a:t>In order to validation our results, we utilized the same method in bacteria selection.</a:t>
-            </a:r>
             <a:endParaRPr lang="zh-CN" altLang="en-US" dirty="0"/>
           </a:p>
         </p:txBody>
@@ -728,7 +703,7 @@
           <a:p>
             <a:fld id="{9EFCB261-BEEE-4617-A9AD-DBFE6CD48D9E}" type="datetimeFigureOut">
               <a:rPr lang="zh-CN" altLang="en-US" smtClean="0"/>
-              <a:t>2021/10/25</a:t>
+              <a:t>2021/11/25</a:t>
             </a:fld>
             <a:endParaRPr lang="zh-CN" altLang="en-US"/>
           </a:p>
@@ -898,7 +873,7 @@
           <a:p>
             <a:fld id="{9EFCB261-BEEE-4617-A9AD-DBFE6CD48D9E}" type="datetimeFigureOut">
               <a:rPr lang="zh-CN" altLang="en-US" smtClean="0"/>
-              <a:t>2021/10/25</a:t>
+              <a:t>2021/11/25</a:t>
             </a:fld>
             <a:endParaRPr lang="zh-CN" altLang="en-US"/>
           </a:p>
@@ -1078,7 +1053,7 @@
           <a:p>
             <a:fld id="{9EFCB261-BEEE-4617-A9AD-DBFE6CD48D9E}" type="datetimeFigureOut">
               <a:rPr lang="zh-CN" altLang="en-US" smtClean="0"/>
-              <a:t>2021/10/25</a:t>
+              <a:t>2021/11/25</a:t>
             </a:fld>
             <a:endParaRPr lang="zh-CN" altLang="en-US"/>
           </a:p>
@@ -1248,7 +1223,7 @@
           <a:p>
             <a:fld id="{9EFCB261-BEEE-4617-A9AD-DBFE6CD48D9E}" type="datetimeFigureOut">
               <a:rPr lang="zh-CN" altLang="en-US" smtClean="0"/>
-              <a:t>2021/10/25</a:t>
+              <a:t>2021/11/25</a:t>
             </a:fld>
             <a:endParaRPr lang="zh-CN" altLang="en-US"/>
           </a:p>
@@ -1492,7 +1467,7 @@
           <a:p>
             <a:fld id="{9EFCB261-BEEE-4617-A9AD-DBFE6CD48D9E}" type="datetimeFigureOut">
               <a:rPr lang="zh-CN" altLang="en-US" smtClean="0"/>
-              <a:t>2021/10/25</a:t>
+              <a:t>2021/11/25</a:t>
             </a:fld>
             <a:endParaRPr lang="zh-CN" altLang="en-US"/>
           </a:p>
@@ -1724,7 +1699,7 @@
           <a:p>
             <a:fld id="{9EFCB261-BEEE-4617-A9AD-DBFE6CD48D9E}" type="datetimeFigureOut">
               <a:rPr lang="zh-CN" altLang="en-US" smtClean="0"/>
-              <a:t>2021/10/25</a:t>
+              <a:t>2021/11/25</a:t>
             </a:fld>
             <a:endParaRPr lang="zh-CN" altLang="en-US"/>
           </a:p>
@@ -2091,7 +2066,7 @@
           <a:p>
             <a:fld id="{9EFCB261-BEEE-4617-A9AD-DBFE6CD48D9E}" type="datetimeFigureOut">
               <a:rPr lang="zh-CN" altLang="en-US" smtClean="0"/>
-              <a:t>2021/10/25</a:t>
+              <a:t>2021/11/25</a:t>
             </a:fld>
             <a:endParaRPr lang="zh-CN" altLang="en-US"/>
           </a:p>
@@ -2209,7 +2184,7 @@
           <a:p>
             <a:fld id="{9EFCB261-BEEE-4617-A9AD-DBFE6CD48D9E}" type="datetimeFigureOut">
               <a:rPr lang="zh-CN" altLang="en-US" smtClean="0"/>
-              <a:t>2021/10/25</a:t>
+              <a:t>2021/11/25</a:t>
             </a:fld>
             <a:endParaRPr lang="zh-CN" altLang="en-US"/>
           </a:p>
@@ -2304,7 +2279,7 @@
           <a:p>
             <a:fld id="{9EFCB261-BEEE-4617-A9AD-DBFE6CD48D9E}" type="datetimeFigureOut">
               <a:rPr lang="zh-CN" altLang="en-US" smtClean="0"/>
-              <a:t>2021/10/25</a:t>
+              <a:t>2021/11/25</a:t>
             </a:fld>
             <a:endParaRPr lang="zh-CN" altLang="en-US"/>
           </a:p>
@@ -2581,7 +2556,7 @@
           <a:p>
             <a:fld id="{9EFCB261-BEEE-4617-A9AD-DBFE6CD48D9E}" type="datetimeFigureOut">
               <a:rPr lang="zh-CN" altLang="en-US" smtClean="0"/>
-              <a:t>2021/10/25</a:t>
+              <a:t>2021/11/25</a:t>
             </a:fld>
             <a:endParaRPr lang="zh-CN" altLang="en-US"/>
           </a:p>
@@ -2838,7 +2813,7 @@
           <a:p>
             <a:fld id="{9EFCB261-BEEE-4617-A9AD-DBFE6CD48D9E}" type="datetimeFigureOut">
               <a:rPr lang="zh-CN" altLang="en-US" smtClean="0"/>
-              <a:t>2021/10/25</a:t>
+              <a:t>2021/11/25</a:t>
             </a:fld>
             <a:endParaRPr lang="zh-CN" altLang="en-US"/>
           </a:p>
@@ -3051,7 +3026,7 @@
           <a:p>
             <a:fld id="{9EFCB261-BEEE-4617-A9AD-DBFE6CD48D9E}" type="datetimeFigureOut">
               <a:rPr lang="zh-CN" altLang="en-US" smtClean="0"/>
-              <a:t>2021/10/25</a:t>
+              <a:t>2021/11/25</a:t>
             </a:fld>
             <a:endParaRPr lang="zh-CN" altLang="en-US"/>
           </a:p>
@@ -6185,9 +6160,9 @@
         <p:grpSpPr>
           <a:xfrm>
             <a:off x="10699741" y="5863184"/>
-            <a:ext cx="7587463" cy="10333148"/>
+            <a:ext cx="7588259" cy="10333148"/>
             <a:chOff x="10699741" y="5863184"/>
-            <a:chExt cx="7587463" cy="10333148"/>
+            <a:chExt cx="7588259" cy="10333148"/>
           </a:xfrm>
         </p:grpSpPr>
         <p:sp>
@@ -6241,9 +6216,9 @@
           <p:grpSpPr>
             <a:xfrm>
               <a:off x="10699741" y="10241734"/>
-              <a:ext cx="7587463" cy="5954598"/>
+              <a:ext cx="7506632" cy="5954598"/>
               <a:chOff x="10699741" y="10241734"/>
-              <a:chExt cx="7587463" cy="5954598"/>
+              <a:chExt cx="7506632" cy="5954598"/>
             </a:xfrm>
           </p:grpSpPr>
           <p:pic>
@@ -6261,14 +6236,20 @@
               <p:nvPr/>
             </p:nvPicPr>
             <p:blipFill rotWithShape="1">
-              <a:blip r:embed="rId8"/>
-              <a:srcRect r="861"/>
+              <a:blip r:embed="rId8">
+                <a:extLst>
+                  <a:ext uri="{28A0092B-C50C-407E-A947-70E740481C1C}">
+                    <a14:useLocalDpi xmlns:a14="http://schemas.microsoft.com/office/drawing/2010/main" val="0"/>
+                  </a:ext>
+                </a:extLst>
+              </a:blip>
+              <a:srcRect l="4152" t="2752" r="9120" b="-2752"/>
               <a:stretch/>
             </p:blipFill>
             <p:spPr>
               <a:xfrm>
-                <a:off x="11149225" y="10686490"/>
-                <a:ext cx="7137979" cy="3903409"/>
+                <a:off x="11273936" y="10793902"/>
+                <a:ext cx="6932437" cy="3903409"/>
               </a:xfrm>
               <a:prstGeom prst="rect">
                 <a:avLst/>
@@ -6710,7 +6691,7 @@
             </p:nvSpPr>
             <p:spPr>
               <a:xfrm>
-                <a:off x="11383751" y="11237583"/>
+                <a:off x="11424088" y="11237583"/>
                 <a:ext cx="540534" cy="276999"/>
               </a:xfrm>
               <a:prstGeom prst="rect">
@@ -6747,7 +6728,7 @@
             </p:nvSpPr>
             <p:spPr>
               <a:xfrm>
-                <a:off x="13135637" y="10918767"/>
+                <a:off x="13175974" y="10918767"/>
                 <a:ext cx="540534" cy="276999"/>
               </a:xfrm>
               <a:prstGeom prst="rect">
@@ -6784,7 +6765,7 @@
             </p:nvSpPr>
             <p:spPr>
               <a:xfrm>
-                <a:off x="16693041" y="11250455"/>
+                <a:off x="16668836" y="11250455"/>
                 <a:ext cx="461986" cy="276999"/>
               </a:xfrm>
               <a:prstGeom prst="rect">
@@ -6821,7 +6802,7 @@
             </p:nvSpPr>
             <p:spPr>
               <a:xfrm>
-                <a:off x="17534242" y="11226550"/>
+                <a:off x="17496454" y="11226550"/>
                 <a:ext cx="540534" cy="276999"/>
               </a:xfrm>
               <a:prstGeom prst="rect">
@@ -6971,9 +6952,9 @@
           <p:grpSpPr>
             <a:xfrm>
               <a:off x="10699741" y="6043204"/>
-              <a:ext cx="7562458" cy="4230395"/>
+              <a:ext cx="7588259" cy="4230395"/>
               <a:chOff x="10699741" y="6043204"/>
-              <a:chExt cx="7562458" cy="4230395"/>
+              <a:chExt cx="7588259" cy="4230395"/>
             </a:xfrm>
           </p:grpSpPr>
           <p:pic>
@@ -6991,14 +6972,20 @@
               <p:nvPr/>
             </p:nvPicPr>
             <p:blipFill rotWithShape="1">
-              <a:blip r:embed="rId9"/>
-              <a:srcRect r="861"/>
+              <a:blip r:embed="rId9">
+                <a:extLst>
+                  <a:ext uri="{28A0092B-C50C-407E-A947-70E740481C1C}">
+                    <a14:useLocalDpi xmlns:a14="http://schemas.microsoft.com/office/drawing/2010/main" val="0"/>
+                  </a:ext>
+                </a:extLst>
+              </a:blip>
+              <a:srcRect l="3872" r="8163"/>
               <a:stretch/>
             </p:blipFill>
             <p:spPr>
               <a:xfrm>
-                <a:off x="11124220" y="6370190"/>
-                <a:ext cx="7137979" cy="3903409"/>
+                <a:off x="11233316" y="6370190"/>
+                <a:ext cx="7054684" cy="3903409"/>
               </a:xfrm>
               <a:prstGeom prst="rect">
                 <a:avLst/>
@@ -7063,7 +7050,7 @@
             </p:nvSpPr>
             <p:spPr>
               <a:xfrm>
-                <a:off x="11332382" y="7026345"/>
+                <a:off x="11396360" y="7026345"/>
                 <a:ext cx="663964" cy="276999"/>
               </a:xfrm>
               <a:prstGeom prst="rect">
@@ -7285,7 +7272,7 @@
             </p:nvSpPr>
             <p:spPr>
               <a:xfrm>
-                <a:off x="17479583" y="6708939"/>
+                <a:off x="17409028" y="6708939"/>
                 <a:ext cx="663964" cy="276999"/>
               </a:xfrm>
               <a:prstGeom prst="rect">
